--- a/tonyClass/docs/Slides-OOP-Part-1-Inheritance-Reference-vs-Object-vs-Instance-vs-Class.pptx
+++ b/tonyClass/docs/Slides-OOP-Part-1-Inheritance-Reference-vs-Object-vs-Instance-vs-Class.pptx
@@ -3292,7 +3292,7 @@
           </a:ln>
           <a:extLst>
             <a:ext uri="{C572A759-6A51-4108-AA02-DFA0A04FC94B}">
-              <ma14:wrappingTextBoxFlag xmlns:ma14="http://schemas.microsoft.com/office/mac/drawingml/2011/main" xmlns="" val="1"/>
+              <ma14:wrappingTextBoxFlag xmlns="" xmlns:ma14="http://schemas.microsoft.com/office/mac/drawingml/2011/main" val="1"/>
             </a:ext>
           </a:extLst>
         </p:spPr>
@@ -3331,7 +3331,7 @@
           </a:ln>
           <a:extLst>
             <a:ext uri="{C572A759-6A51-4108-AA02-DFA0A04FC94B}">
-              <ma14:wrappingTextBoxFlag xmlns:ma14="http://schemas.microsoft.com/office/mac/drawingml/2011/main" xmlns="" val="1"/>
+              <ma14:wrappingTextBoxFlag xmlns="" xmlns:ma14="http://schemas.microsoft.com/office/mac/drawingml/2011/main" val="1"/>
             </a:ext>
           </a:extLst>
         </p:spPr>
@@ -4257,7 +4257,7 @@
           </a:ln>
           <a:extLst>
             <a:ext uri="{C572A759-6A51-4108-AA02-DFA0A04FC94B}">
-              <ma14:wrappingTextBoxFlag xmlns:ma14="http://schemas.microsoft.com/office/mac/drawingml/2011/main" xmlns="" val="1"/>
+              <ma14:wrappingTextBoxFlag xmlns="" xmlns:ma14="http://schemas.microsoft.com/office/mac/drawingml/2011/main" val="1"/>
             </a:ext>
           </a:extLst>
         </p:spPr>
@@ -4330,33 +4330,6 @@
           </a:p>
         </p:txBody>
       </p:sp>
-      <p:pic>
-        <p:nvPicPr>
-          <p:cNvPr id="129" name="Logo.png"/>
-          <p:cNvPicPr>
-            <a:picLocks noChangeAspect="1"/>
-          </p:cNvPicPr>
-          <p:nvPr/>
-        </p:nvPicPr>
-        <p:blipFill>
-          <a:blip r:embed="rId3"/>
-          <a:stretch>
-            <a:fillRect/>
-          </a:stretch>
-        </p:blipFill>
-        <p:spPr>
-          <a:xfrm>
-            <a:off x="14650974" y="18489726"/>
-            <a:ext cx="6321552" cy="1392336"/>
-          </a:xfrm>
-          <a:prstGeom prst="rect">
-            <a:avLst/>
-          </a:prstGeom>
-          <a:ln w="12700">
-            <a:miter lim="400000"/>
-          </a:ln>
-        </p:spPr>
-      </p:pic>
       <p:sp>
         <p:nvSpPr>
           <p:cNvPr id="9" name="Shape 127"/>
@@ -4411,7 +4384,7 @@
           </a:ln>
           <a:extLst>
             <a:ext uri="{C572A759-6A51-4108-AA02-DFA0A04FC94B}">
-              <ma14:wrappingTextBoxFlag xmlns="" xmlns:ma14="http://schemas.microsoft.com/office/mac/drawingml/2011/main" val="1"/>
+              <ma14:wrappingTextBoxFlag xmlns:ma14="http://schemas.microsoft.com/office/mac/drawingml/2011/main" xmlns="" val="1"/>
             </a:ext>
           </a:extLst>
         </p:spPr>
@@ -4595,7 +4568,7 @@
           </a:ln>
           <a:extLst>
             <a:ext uri="{C572A759-6A51-4108-AA02-DFA0A04FC94B}">
-              <ma14:wrappingTextBoxFlag xmlns:ma14="http://schemas.microsoft.com/office/mac/drawingml/2011/main" xmlns="" val="1"/>
+              <ma14:wrappingTextBoxFlag xmlns="" xmlns:ma14="http://schemas.microsoft.com/office/mac/drawingml/2011/main" val="1"/>
             </a:ext>
           </a:extLst>
         </p:spPr>
@@ -4668,33 +4641,6 @@
           </a:p>
         </p:txBody>
       </p:sp>
-      <p:pic>
-        <p:nvPicPr>
-          <p:cNvPr id="129" name="Logo.png"/>
-          <p:cNvPicPr>
-            <a:picLocks noChangeAspect="1"/>
-          </p:cNvPicPr>
-          <p:nvPr/>
-        </p:nvPicPr>
-        <p:blipFill>
-          <a:blip r:embed="rId4"/>
-          <a:stretch>
-            <a:fillRect/>
-          </a:stretch>
-        </p:blipFill>
-        <p:spPr>
-          <a:xfrm>
-            <a:off x="14650974" y="18489726"/>
-            <a:ext cx="6321552" cy="1392336"/>
-          </a:xfrm>
-          <a:prstGeom prst="rect">
-            <a:avLst/>
-          </a:prstGeom>
-          <a:ln w="12700">
-            <a:miter lim="400000"/>
-          </a:ln>
-        </p:spPr>
-      </p:pic>
       <p:sp>
         <p:nvSpPr>
           <p:cNvPr id="9" name="Shape 127"/>
@@ -4749,7 +4695,7 @@
           </a:ln>
           <a:extLst>
             <a:ext uri="{C572A759-6A51-4108-AA02-DFA0A04FC94B}">
-              <ma14:wrappingTextBoxFlag xmlns="" xmlns:ma14="http://schemas.microsoft.com/office/mac/drawingml/2011/main" val="1"/>
+              <ma14:wrappingTextBoxFlag xmlns:ma14="http://schemas.microsoft.com/office/mac/drawingml/2011/main" xmlns="" val="1"/>
             </a:ext>
           </a:extLst>
         </p:spPr>
@@ -5007,7 +4953,7 @@
           <p:nvPr/>
         </p:nvPicPr>
         <p:blipFill>
-          <a:blip r:embed="rId5"/>
+          <a:blip r:embed="rId4"/>
           <a:stretch>
             <a:fillRect/>
           </a:stretch>
@@ -5104,7 +5050,7 @@
           </a:ln>
           <a:extLst>
             <a:ext uri="{C572A759-6A51-4108-AA02-DFA0A04FC94B}">
-              <ma14:wrappingTextBoxFlag xmlns="" xmlns:ma14="http://schemas.microsoft.com/office/mac/drawingml/2011/main" val="1"/>
+              <ma14:wrappingTextBoxFlag xmlns:ma14="http://schemas.microsoft.com/office/mac/drawingml/2011/main" xmlns="" val="1"/>
             </a:ext>
           </a:extLst>
         </p:spPr>
@@ -5177,33 +5123,6 @@
           </a:p>
         </p:txBody>
       </p:sp>
-      <p:pic>
-        <p:nvPicPr>
-          <p:cNvPr id="129" name="Logo.png"/>
-          <p:cNvPicPr>
-            <a:picLocks noChangeAspect="1"/>
-          </p:cNvPicPr>
-          <p:nvPr/>
-        </p:nvPicPr>
-        <p:blipFill>
-          <a:blip r:embed="rId4"/>
-          <a:stretch>
-            <a:fillRect/>
-          </a:stretch>
-        </p:blipFill>
-        <p:spPr>
-          <a:xfrm>
-            <a:off x="14650974" y="18489726"/>
-            <a:ext cx="6321552" cy="1392336"/>
-          </a:xfrm>
-          <a:prstGeom prst="rect">
-            <a:avLst/>
-          </a:prstGeom>
-          <a:ln w="12700">
-            <a:miter lim="400000"/>
-          </a:ln>
-        </p:spPr>
-      </p:pic>
       <p:sp>
         <p:nvSpPr>
           <p:cNvPr id="9" name="Shape 127"/>
@@ -5258,7 +5177,7 @@
           </a:ln>
           <a:extLst>
             <a:ext uri="{C572A759-6A51-4108-AA02-DFA0A04FC94B}">
-              <ma14:wrappingTextBoxFlag xmlns:ma14="http://schemas.microsoft.com/office/mac/drawingml/2011/main" xmlns="" val="1"/>
+              <ma14:wrappingTextBoxFlag xmlns="" xmlns:ma14="http://schemas.microsoft.com/office/mac/drawingml/2011/main" val="1"/>
             </a:ext>
           </a:extLst>
         </p:spPr>
@@ -5452,7 +5371,7 @@
           <p:nvPr/>
         </p:nvPicPr>
         <p:blipFill>
-          <a:blip r:embed="rId5"/>
+          <a:blip r:embed="rId4"/>
           <a:stretch>
             <a:fillRect/>
           </a:stretch>
@@ -5549,7 +5468,7 @@
           </a:ln>
           <a:extLst>
             <a:ext uri="{C572A759-6A51-4108-AA02-DFA0A04FC94B}">
-              <ma14:wrappingTextBoxFlag xmlns:ma14="http://schemas.microsoft.com/office/mac/drawingml/2011/main" xmlns="" val="1"/>
+              <ma14:wrappingTextBoxFlag xmlns="" xmlns:ma14="http://schemas.microsoft.com/office/mac/drawingml/2011/main" val="1"/>
             </a:ext>
           </a:extLst>
         </p:spPr>
@@ -5622,33 +5541,6 @@
           </a:p>
         </p:txBody>
       </p:sp>
-      <p:pic>
-        <p:nvPicPr>
-          <p:cNvPr id="129" name="Logo.png"/>
-          <p:cNvPicPr>
-            <a:picLocks noChangeAspect="1"/>
-          </p:cNvPicPr>
-          <p:nvPr/>
-        </p:nvPicPr>
-        <p:blipFill>
-          <a:blip r:embed="rId4"/>
-          <a:stretch>
-            <a:fillRect/>
-          </a:stretch>
-        </p:blipFill>
-        <p:spPr>
-          <a:xfrm>
-            <a:off x="14650974" y="18489726"/>
-            <a:ext cx="6321552" cy="1392336"/>
-          </a:xfrm>
-          <a:prstGeom prst="rect">
-            <a:avLst/>
-          </a:prstGeom>
-          <a:ln w="12700">
-            <a:miter lim="400000"/>
-          </a:ln>
-        </p:spPr>
-      </p:pic>
       <p:sp>
         <p:nvSpPr>
           <p:cNvPr id="9" name="Shape 127"/>
@@ -5703,7 +5595,7 @@
           </a:ln>
           <a:extLst>
             <a:ext uri="{C572A759-6A51-4108-AA02-DFA0A04FC94B}">
-              <ma14:wrappingTextBoxFlag xmlns="" xmlns:ma14="http://schemas.microsoft.com/office/mac/drawingml/2011/main" val="1"/>
+              <ma14:wrappingTextBoxFlag xmlns:ma14="http://schemas.microsoft.com/office/mac/drawingml/2011/main" xmlns="" val="1"/>
             </a:ext>
           </a:extLst>
         </p:spPr>
@@ -6009,7 +5901,7 @@
           <p:nvPr/>
         </p:nvPicPr>
         <p:blipFill>
-          <a:blip r:embed="rId5"/>
+          <a:blip r:embed="rId4"/>
           <a:stretch>
             <a:fillRect/>
           </a:stretch>
@@ -6106,7 +5998,7 @@
           </a:ln>
           <a:extLst>
             <a:ext uri="{C572A759-6A51-4108-AA02-DFA0A04FC94B}">
-              <ma14:wrappingTextBoxFlag xmlns="" xmlns:ma14="http://schemas.microsoft.com/office/mac/drawingml/2011/main" val="1"/>
+              <ma14:wrappingTextBoxFlag xmlns:ma14="http://schemas.microsoft.com/office/mac/drawingml/2011/main" xmlns="" val="1"/>
             </a:ext>
           </a:extLst>
         </p:spPr>
@@ -6179,33 +6071,6 @@
           </a:p>
         </p:txBody>
       </p:sp>
-      <p:pic>
-        <p:nvPicPr>
-          <p:cNvPr id="129" name="Logo.png"/>
-          <p:cNvPicPr>
-            <a:picLocks noChangeAspect="1"/>
-          </p:cNvPicPr>
-          <p:nvPr/>
-        </p:nvPicPr>
-        <p:blipFill>
-          <a:blip r:embed="rId4"/>
-          <a:stretch>
-            <a:fillRect/>
-          </a:stretch>
-        </p:blipFill>
-        <p:spPr>
-          <a:xfrm>
-            <a:off x="14650974" y="18489726"/>
-            <a:ext cx="6321552" cy="1392336"/>
-          </a:xfrm>
-          <a:prstGeom prst="rect">
-            <a:avLst/>
-          </a:prstGeom>
-          <a:ln w="12700">
-            <a:miter lim="400000"/>
-          </a:ln>
-        </p:spPr>
-      </p:pic>
       <p:sp>
         <p:nvSpPr>
           <p:cNvPr id="9" name="Shape 127"/>
@@ -6260,7 +6125,7 @@
           </a:ln>
           <a:extLst>
             <a:ext uri="{C572A759-6A51-4108-AA02-DFA0A04FC94B}">
-              <ma14:wrappingTextBoxFlag xmlns:ma14="http://schemas.microsoft.com/office/mac/drawingml/2011/main" xmlns="" val="1"/>
+              <ma14:wrappingTextBoxFlag xmlns="" xmlns:ma14="http://schemas.microsoft.com/office/mac/drawingml/2011/main" val="1"/>
             </a:ext>
           </a:extLst>
         </p:spPr>
@@ -6582,7 +6447,7 @@
           <p:nvPr/>
         </p:nvPicPr>
         <p:blipFill>
-          <a:blip r:embed="rId5"/>
+          <a:blip r:embed="rId4"/>
           <a:stretch>
             <a:fillRect/>
           </a:stretch>
@@ -6679,7 +6544,7 @@
           </a:ln>
           <a:extLst>
             <a:ext uri="{C572A759-6A51-4108-AA02-DFA0A04FC94B}">
-              <ma14:wrappingTextBoxFlag xmlns:ma14="http://schemas.microsoft.com/office/mac/drawingml/2011/main" xmlns="" val="1"/>
+              <ma14:wrappingTextBoxFlag xmlns="" xmlns:ma14="http://schemas.microsoft.com/office/mac/drawingml/2011/main" val="1"/>
             </a:ext>
           </a:extLst>
         </p:spPr>
@@ -6752,33 +6617,6 @@
           </a:p>
         </p:txBody>
       </p:sp>
-      <p:pic>
-        <p:nvPicPr>
-          <p:cNvPr id="129" name="Logo.png"/>
-          <p:cNvPicPr>
-            <a:picLocks noChangeAspect="1"/>
-          </p:cNvPicPr>
-          <p:nvPr/>
-        </p:nvPicPr>
-        <p:blipFill>
-          <a:blip r:embed="rId4"/>
-          <a:stretch>
-            <a:fillRect/>
-          </a:stretch>
-        </p:blipFill>
-        <p:spPr>
-          <a:xfrm>
-            <a:off x="14650974" y="18489726"/>
-            <a:ext cx="6321552" cy="1392336"/>
-          </a:xfrm>
-          <a:prstGeom prst="rect">
-            <a:avLst/>
-          </a:prstGeom>
-          <a:ln w="12700">
-            <a:miter lim="400000"/>
-          </a:ln>
-        </p:spPr>
-      </p:pic>
       <p:sp>
         <p:nvSpPr>
           <p:cNvPr id="9" name="Shape 127"/>
@@ -6833,7 +6671,7 @@
           </a:ln>
           <a:extLst>
             <a:ext uri="{C572A759-6A51-4108-AA02-DFA0A04FC94B}">
-              <ma14:wrappingTextBoxFlag xmlns="" xmlns:ma14="http://schemas.microsoft.com/office/mac/drawingml/2011/main" val="1"/>
+              <ma14:wrappingTextBoxFlag xmlns:ma14="http://schemas.microsoft.com/office/mac/drawingml/2011/main" xmlns="" val="1"/>
             </a:ext>
           </a:extLst>
         </p:spPr>
@@ -7091,7 +6929,7 @@
           <p:nvPr/>
         </p:nvPicPr>
         <p:blipFill>
-          <a:blip r:embed="rId5"/>
+          <a:blip r:embed="rId4"/>
           <a:stretch>
             <a:fillRect/>
           </a:stretch>
@@ -7277,7 +7115,7 @@
           </a:ln>
           <a:extLst>
             <a:ext uri="{C572A759-6A51-4108-AA02-DFA0A04FC94B}">
-              <ma14:wrappingTextBoxFlag xmlns="" xmlns:ma14="http://schemas.microsoft.com/office/mac/drawingml/2011/main" val="1"/>
+              <ma14:wrappingTextBoxFlag xmlns:ma14="http://schemas.microsoft.com/office/mac/drawingml/2011/main" xmlns="" val="1"/>
             </a:ext>
           </a:extLst>
         </p:spPr>
@@ -7350,33 +7188,6 @@
           </a:p>
         </p:txBody>
       </p:sp>
-      <p:pic>
-        <p:nvPicPr>
-          <p:cNvPr id="129" name="Logo.png"/>
-          <p:cNvPicPr>
-            <a:picLocks noChangeAspect="1"/>
-          </p:cNvPicPr>
-          <p:nvPr/>
-        </p:nvPicPr>
-        <p:blipFill>
-          <a:blip r:embed="rId3"/>
-          <a:stretch>
-            <a:fillRect/>
-          </a:stretch>
-        </p:blipFill>
-        <p:spPr>
-          <a:xfrm>
-            <a:off x="14650974" y="18489726"/>
-            <a:ext cx="6321552" cy="1392336"/>
-          </a:xfrm>
-          <a:prstGeom prst="rect">
-            <a:avLst/>
-          </a:prstGeom>
-          <a:ln w="12700">
-            <a:miter lim="400000"/>
-          </a:ln>
-        </p:spPr>
-      </p:pic>
       <p:sp>
         <p:nvSpPr>
           <p:cNvPr id="9" name="Shape 127"/>
@@ -7431,7 +7242,7 @@
           </a:ln>
           <a:extLst>
             <a:ext uri="{C572A759-6A51-4108-AA02-DFA0A04FC94B}">
-              <ma14:wrappingTextBoxFlag xmlns:ma14="http://schemas.microsoft.com/office/mac/drawingml/2011/main" xmlns="" val="1"/>
+              <ma14:wrappingTextBoxFlag xmlns="" xmlns:ma14="http://schemas.microsoft.com/office/mac/drawingml/2011/main" val="1"/>
             </a:ext>
           </a:extLst>
         </p:spPr>
@@ -7493,7 +7304,7 @@
           <p:nvPr/>
         </p:nvPicPr>
         <p:blipFill>
-          <a:blip r:embed="rId4"/>
+          <a:blip r:embed="rId3"/>
           <a:stretch>
             <a:fillRect/>
           </a:stretch>
@@ -7523,7 +7334,7 @@
           <p:nvPr/>
         </p:nvPicPr>
         <p:blipFill>
-          <a:blip r:embed="rId5"/>
+          <a:blip r:embed="rId4"/>
           <a:stretch>
             <a:fillRect/>
           </a:stretch>
@@ -7553,7 +7364,7 @@
           <p:nvPr/>
         </p:nvPicPr>
         <p:blipFill>
-          <a:blip r:embed="rId6"/>
+          <a:blip r:embed="rId5"/>
           <a:stretch>
             <a:fillRect/>
           </a:stretch>
@@ -7706,7 +7517,7 @@
           </a:ln>
           <a:extLst>
             <a:ext uri="{C572A759-6A51-4108-AA02-DFA0A04FC94B}">
-              <ma14:wrappingTextBoxFlag xmlns:ma14="http://schemas.microsoft.com/office/mac/drawingml/2011/main" xmlns="" val="1"/>
+              <ma14:wrappingTextBoxFlag xmlns="" xmlns:ma14="http://schemas.microsoft.com/office/mac/drawingml/2011/main" val="1"/>
             </a:ext>
           </a:extLst>
         </p:spPr>
@@ -7860,7 +7671,7 @@
           </a:ln>
           <a:extLst>
             <a:ext uri="{C572A759-6A51-4108-AA02-DFA0A04FC94B}">
-              <ma14:wrappingTextBoxFlag xmlns="" xmlns:ma14="http://schemas.microsoft.com/office/mac/drawingml/2011/main" val="1"/>
+              <ma14:wrappingTextBoxFlag xmlns:ma14="http://schemas.microsoft.com/office/mac/drawingml/2011/main" xmlns="" val="1"/>
             </a:ext>
           </a:extLst>
         </p:spPr>
@@ -8101,7 +7912,7 @@
           </a:ln>
           <a:extLst>
             <a:ext uri="{C572A759-6A51-4108-AA02-DFA0A04FC94B}">
-              <ma14:wrappingTextBoxFlag xmlns:ma14="http://schemas.microsoft.com/office/mac/drawingml/2011/main" xmlns="" val="1"/>
+              <ma14:wrappingTextBoxFlag xmlns="" xmlns:ma14="http://schemas.microsoft.com/office/mac/drawingml/2011/main" val="1"/>
             </a:ext>
           </a:extLst>
         </p:spPr>
@@ -8255,7 +8066,7 @@
           </a:ln>
           <a:extLst>
             <a:ext uri="{C572A759-6A51-4108-AA02-DFA0A04FC94B}">
-              <ma14:wrappingTextBoxFlag xmlns="" xmlns:ma14="http://schemas.microsoft.com/office/mac/drawingml/2011/main" val="1"/>
+              <ma14:wrappingTextBoxFlag xmlns:ma14="http://schemas.microsoft.com/office/mac/drawingml/2011/main" xmlns="" val="1"/>
             </a:ext>
           </a:extLst>
         </p:spPr>
@@ -8464,7 +8275,7 @@
           </a:ln>
           <a:extLst>
             <a:ext uri="{C572A759-6A51-4108-AA02-DFA0A04FC94B}">
-              <ma14:wrappingTextBoxFlag xmlns="" xmlns:ma14="http://schemas.microsoft.com/office/mac/drawingml/2011/main" val="1"/>
+              <ma14:wrappingTextBoxFlag xmlns:ma14="http://schemas.microsoft.com/office/mac/drawingml/2011/main" xmlns="" val="1"/>
             </a:ext>
           </a:extLst>
         </p:spPr>
@@ -8618,7 +8429,7 @@
           </a:ln>
           <a:extLst>
             <a:ext uri="{C572A759-6A51-4108-AA02-DFA0A04FC94B}">
-              <ma14:wrappingTextBoxFlag xmlns:ma14="http://schemas.microsoft.com/office/mac/drawingml/2011/main" xmlns="" val="1"/>
+              <ma14:wrappingTextBoxFlag xmlns="" xmlns:ma14="http://schemas.microsoft.com/office/mac/drawingml/2011/main" val="1"/>
             </a:ext>
           </a:extLst>
         </p:spPr>
@@ -8878,7 +8689,7 @@
           </a:ln>
           <a:extLst>
             <a:ext uri="{C572A759-6A51-4108-AA02-DFA0A04FC94B}">
-              <ma14:wrappingTextBoxFlag xmlns:ma14="http://schemas.microsoft.com/office/mac/drawingml/2011/main" xmlns="" val="1"/>
+              <ma14:wrappingTextBoxFlag xmlns="" xmlns:ma14="http://schemas.microsoft.com/office/mac/drawingml/2011/main" val="1"/>
             </a:ext>
           </a:extLst>
         </p:spPr>
@@ -9032,7 +8843,7 @@
           </a:ln>
           <a:extLst>
             <a:ext uri="{C572A759-6A51-4108-AA02-DFA0A04FC94B}">
-              <ma14:wrappingTextBoxFlag xmlns="" xmlns:ma14="http://schemas.microsoft.com/office/mac/drawingml/2011/main" val="1"/>
+              <ma14:wrappingTextBoxFlag xmlns:ma14="http://schemas.microsoft.com/office/mac/drawingml/2011/main" xmlns="" val="1"/>
             </a:ext>
           </a:extLst>
         </p:spPr>
@@ -9219,7 +9030,7 @@
           </a:ln>
           <a:extLst>
             <a:ext uri="{C572A759-6A51-4108-AA02-DFA0A04FC94B}">
-              <ma14:wrappingTextBoxFlag xmlns="" xmlns:ma14="http://schemas.microsoft.com/office/mac/drawingml/2011/main" val="1"/>
+              <ma14:wrappingTextBoxFlag xmlns:ma14="http://schemas.microsoft.com/office/mac/drawingml/2011/main" xmlns="" val="1"/>
             </a:ext>
           </a:extLst>
         </p:spPr>
@@ -9292,33 +9103,6 @@
           </a:p>
         </p:txBody>
       </p:sp>
-      <p:pic>
-        <p:nvPicPr>
-          <p:cNvPr id="129" name="Logo.png"/>
-          <p:cNvPicPr>
-            <a:picLocks noChangeAspect="1"/>
-          </p:cNvPicPr>
-          <p:nvPr/>
-        </p:nvPicPr>
-        <p:blipFill>
-          <a:blip r:embed="rId3"/>
-          <a:stretch>
-            <a:fillRect/>
-          </a:stretch>
-        </p:blipFill>
-        <p:spPr>
-          <a:xfrm>
-            <a:off x="14650974" y="18489726"/>
-            <a:ext cx="6321552" cy="1392336"/>
-          </a:xfrm>
-          <a:prstGeom prst="rect">
-            <a:avLst/>
-          </a:prstGeom>
-          <a:ln w="12700">
-            <a:miter lim="400000"/>
-          </a:ln>
-        </p:spPr>
-      </p:pic>
       <p:sp>
         <p:nvSpPr>
           <p:cNvPr id="9" name="Shape 127"/>
@@ -9373,7 +9157,7 @@
           </a:ln>
           <a:extLst>
             <a:ext uri="{C572A759-6A51-4108-AA02-DFA0A04FC94B}">
-              <ma14:wrappingTextBoxFlag xmlns:ma14="http://schemas.microsoft.com/office/mac/drawingml/2011/main" xmlns="" val="1"/>
+              <ma14:wrappingTextBoxFlag xmlns="" xmlns:ma14="http://schemas.microsoft.com/office/mac/drawingml/2011/main" val="1"/>
             </a:ext>
           </a:extLst>
         </p:spPr>
@@ -9650,7 +9434,7 @@
           </a:ln>
           <a:extLst>
             <a:ext uri="{C572A759-6A51-4108-AA02-DFA0A04FC94B}">
-              <ma14:wrappingTextBoxFlag xmlns="" xmlns:ma14="http://schemas.microsoft.com/office/mac/drawingml/2011/main" val="1"/>
+              <ma14:wrappingTextBoxFlag xmlns:ma14="http://schemas.microsoft.com/office/mac/drawingml/2011/main" xmlns="" val="1"/>
             </a:ext>
           </a:extLst>
         </p:spPr>
@@ -9804,7 +9588,7 @@
           </a:ln>
           <a:extLst>
             <a:ext uri="{C572A759-6A51-4108-AA02-DFA0A04FC94B}">
-              <ma14:wrappingTextBoxFlag xmlns:ma14="http://schemas.microsoft.com/office/mac/drawingml/2011/main" xmlns="" val="1"/>
+              <ma14:wrappingTextBoxFlag xmlns="" xmlns:ma14="http://schemas.microsoft.com/office/mac/drawingml/2011/main" val="1"/>
             </a:ext>
           </a:extLst>
         </p:spPr>
@@ -9991,7 +9775,7 @@
           </a:ln>
           <a:extLst>
             <a:ext uri="{C572A759-6A51-4108-AA02-DFA0A04FC94B}">
-              <ma14:wrappingTextBoxFlag xmlns="" xmlns:ma14="http://schemas.microsoft.com/office/mac/drawingml/2011/main" val="1"/>
+              <ma14:wrappingTextBoxFlag xmlns:ma14="http://schemas.microsoft.com/office/mac/drawingml/2011/main" xmlns="" val="1"/>
             </a:ext>
           </a:extLst>
         </p:spPr>
@@ -10064,33 +9848,6 @@
           </a:p>
         </p:txBody>
       </p:sp>
-      <p:pic>
-        <p:nvPicPr>
-          <p:cNvPr id="129" name="Logo.png"/>
-          <p:cNvPicPr>
-            <a:picLocks noChangeAspect="1"/>
-          </p:cNvPicPr>
-          <p:nvPr/>
-        </p:nvPicPr>
-        <p:blipFill>
-          <a:blip r:embed="rId3"/>
-          <a:stretch>
-            <a:fillRect/>
-          </a:stretch>
-        </p:blipFill>
-        <p:spPr>
-          <a:xfrm>
-            <a:off x="14650974" y="18489726"/>
-            <a:ext cx="6321552" cy="1392336"/>
-          </a:xfrm>
-          <a:prstGeom prst="rect">
-            <a:avLst/>
-          </a:prstGeom>
-          <a:ln w="12700">
-            <a:miter lim="400000"/>
-          </a:ln>
-        </p:spPr>
-      </p:pic>
       <p:sp>
         <p:nvSpPr>
           <p:cNvPr id="9" name="Shape 127"/>
@@ -10145,7 +9902,7 @@
           </a:ln>
           <a:extLst>
             <a:ext uri="{C572A759-6A51-4108-AA02-DFA0A04FC94B}">
-              <ma14:wrappingTextBoxFlag xmlns:ma14="http://schemas.microsoft.com/office/mac/drawingml/2011/main" xmlns="" val="1"/>
+              <ma14:wrappingTextBoxFlag xmlns="" xmlns:ma14="http://schemas.microsoft.com/office/mac/drawingml/2011/main" val="1"/>
             </a:ext>
           </a:extLst>
         </p:spPr>
@@ -11097,7 +10854,7 @@
           </a:ln>
           <a:extLst>
             <a:ext uri="{C572A759-6A51-4108-AA02-DFA0A04FC94B}">
-              <ma14:wrappingTextBoxFlag xmlns:ma14="http://schemas.microsoft.com/office/mac/drawingml/2011/main" xmlns="" val="1"/>
+              <ma14:wrappingTextBoxFlag xmlns="" xmlns:ma14="http://schemas.microsoft.com/office/mac/drawingml/2011/main" val="1"/>
             </a:ext>
           </a:extLst>
         </p:spPr>
@@ -11170,33 +10927,6 @@
           </a:p>
         </p:txBody>
       </p:sp>
-      <p:pic>
-        <p:nvPicPr>
-          <p:cNvPr id="129" name="Logo.png"/>
-          <p:cNvPicPr>
-            <a:picLocks noChangeAspect="1"/>
-          </p:cNvPicPr>
-          <p:nvPr/>
-        </p:nvPicPr>
-        <p:blipFill>
-          <a:blip r:embed="rId3"/>
-          <a:stretch>
-            <a:fillRect/>
-          </a:stretch>
-        </p:blipFill>
-        <p:spPr>
-          <a:xfrm>
-            <a:off x="14650974" y="18489726"/>
-            <a:ext cx="6321552" cy="1392336"/>
-          </a:xfrm>
-          <a:prstGeom prst="rect">
-            <a:avLst/>
-          </a:prstGeom>
-          <a:ln w="12700">
-            <a:miter lim="400000"/>
-          </a:ln>
-        </p:spPr>
-      </p:pic>
       <p:sp>
         <p:nvSpPr>
           <p:cNvPr id="9" name="Shape 127"/>
@@ -11251,7 +10981,7 @@
           </a:ln>
           <a:extLst>
             <a:ext uri="{C572A759-6A51-4108-AA02-DFA0A04FC94B}">
-              <ma14:wrappingTextBoxFlag xmlns="" xmlns:ma14="http://schemas.microsoft.com/office/mac/drawingml/2011/main" val="1"/>
+              <ma14:wrappingTextBoxFlag xmlns:ma14="http://schemas.microsoft.com/office/mac/drawingml/2011/main" xmlns="" val="1"/>
             </a:ext>
           </a:extLst>
         </p:spPr>
@@ -11481,7 +11211,7 @@
           </a:ln>
           <a:extLst>
             <a:ext uri="{C572A759-6A51-4108-AA02-DFA0A04FC94B}">
-              <ma14:wrappingTextBoxFlag xmlns="" xmlns:ma14="http://schemas.microsoft.com/office/mac/drawingml/2011/main" val="1"/>
+              <ma14:wrappingTextBoxFlag xmlns:ma14="http://schemas.microsoft.com/office/mac/drawingml/2011/main" xmlns="" val="1"/>
             </a:ext>
           </a:extLst>
         </p:spPr>
@@ -11554,33 +11284,6 @@
           </a:p>
         </p:txBody>
       </p:sp>
-      <p:pic>
-        <p:nvPicPr>
-          <p:cNvPr id="129" name="Logo.png"/>
-          <p:cNvPicPr>
-            <a:picLocks noChangeAspect="1"/>
-          </p:cNvPicPr>
-          <p:nvPr/>
-        </p:nvPicPr>
-        <p:blipFill>
-          <a:blip r:embed="rId3"/>
-          <a:stretch>
-            <a:fillRect/>
-          </a:stretch>
-        </p:blipFill>
-        <p:spPr>
-          <a:xfrm>
-            <a:off x="14650974" y="18489726"/>
-            <a:ext cx="6321552" cy="1392336"/>
-          </a:xfrm>
-          <a:prstGeom prst="rect">
-            <a:avLst/>
-          </a:prstGeom>
-          <a:ln w="12700">
-            <a:miter lim="400000"/>
-          </a:ln>
-        </p:spPr>
-      </p:pic>
       <p:sp>
         <p:nvSpPr>
           <p:cNvPr id="9" name="Shape 127"/>
@@ -11635,7 +11338,7 @@
           </a:ln>
           <a:extLst>
             <a:ext uri="{C572A759-6A51-4108-AA02-DFA0A04FC94B}">
-              <ma14:wrappingTextBoxFlag xmlns:ma14="http://schemas.microsoft.com/office/mac/drawingml/2011/main" xmlns="" val="1"/>
+              <ma14:wrappingTextBoxFlag xmlns="" xmlns:ma14="http://schemas.microsoft.com/office/mac/drawingml/2011/main" val="1"/>
             </a:ext>
           </a:extLst>
         </p:spPr>
@@ -11805,7 +11508,7 @@
           </a:ln>
           <a:extLst>
             <a:ext uri="{C572A759-6A51-4108-AA02-DFA0A04FC94B}">
-              <ma14:wrappingTextBoxFlag xmlns:ma14="http://schemas.microsoft.com/office/mac/drawingml/2011/main" xmlns="" val="1"/>
+              <ma14:wrappingTextBoxFlag xmlns="" xmlns:ma14="http://schemas.microsoft.com/office/mac/drawingml/2011/main" val="1"/>
             </a:ext>
           </a:extLst>
         </p:spPr>
@@ -11878,33 +11581,6 @@
           </a:p>
         </p:txBody>
       </p:sp>
-      <p:pic>
-        <p:nvPicPr>
-          <p:cNvPr id="129" name="Logo.png"/>
-          <p:cNvPicPr>
-            <a:picLocks noChangeAspect="1"/>
-          </p:cNvPicPr>
-          <p:nvPr/>
-        </p:nvPicPr>
-        <p:blipFill>
-          <a:blip r:embed="rId3"/>
-          <a:stretch>
-            <a:fillRect/>
-          </a:stretch>
-        </p:blipFill>
-        <p:spPr>
-          <a:xfrm>
-            <a:off x="14650974" y="18489726"/>
-            <a:ext cx="6321552" cy="1392336"/>
-          </a:xfrm>
-          <a:prstGeom prst="rect">
-            <a:avLst/>
-          </a:prstGeom>
-          <a:ln w="12700">
-            <a:miter lim="400000"/>
-          </a:ln>
-        </p:spPr>
-      </p:pic>
       <p:sp>
         <p:nvSpPr>
           <p:cNvPr id="9" name="Shape 127"/>
@@ -11959,7 +11635,7 @@
           </a:ln>
           <a:extLst>
             <a:ext uri="{C572A759-6A51-4108-AA02-DFA0A04FC94B}">
-              <ma14:wrappingTextBoxFlag xmlns="" xmlns:ma14="http://schemas.microsoft.com/office/mac/drawingml/2011/main" val="1"/>
+              <ma14:wrappingTextBoxFlag xmlns:ma14="http://schemas.microsoft.com/office/mac/drawingml/2011/main" xmlns="" val="1"/>
             </a:ext>
           </a:extLst>
         </p:spPr>
@@ -12021,7 +11697,7 @@
           <p:nvPr/>
         </p:nvPicPr>
         <p:blipFill>
-          <a:blip r:embed="rId4"/>
+          <a:blip r:embed="rId3"/>
           <a:stretch>
             <a:fillRect/>
           </a:stretch>
@@ -12051,7 +11727,7 @@
           <p:nvPr/>
         </p:nvPicPr>
         <p:blipFill>
-          <a:blip r:embed="rId5"/>
+          <a:blip r:embed="rId4"/>
           <a:stretch>
             <a:fillRect/>
           </a:stretch>
@@ -12157,7 +11833,7 @@
           </a:ln>
           <a:extLst>
             <a:ext uri="{C572A759-6A51-4108-AA02-DFA0A04FC94B}">
-              <ma14:wrappingTextBoxFlag xmlns="" xmlns:ma14="http://schemas.microsoft.com/office/mac/drawingml/2011/main" val="1"/>
+              <ma14:wrappingTextBoxFlag xmlns:ma14="http://schemas.microsoft.com/office/mac/drawingml/2011/main" xmlns="" val="1"/>
             </a:ext>
           </a:extLst>
         </p:spPr>
@@ -12230,33 +11906,6 @@
           </a:p>
         </p:txBody>
       </p:sp>
-      <p:pic>
-        <p:nvPicPr>
-          <p:cNvPr id="129" name="Logo.png"/>
-          <p:cNvPicPr>
-            <a:picLocks noChangeAspect="1"/>
-          </p:cNvPicPr>
-          <p:nvPr/>
-        </p:nvPicPr>
-        <p:blipFill>
-          <a:blip r:embed="rId3"/>
-          <a:stretch>
-            <a:fillRect/>
-          </a:stretch>
-        </p:blipFill>
-        <p:spPr>
-          <a:xfrm>
-            <a:off x="14650974" y="18489726"/>
-            <a:ext cx="6321552" cy="1392336"/>
-          </a:xfrm>
-          <a:prstGeom prst="rect">
-            <a:avLst/>
-          </a:prstGeom>
-          <a:ln w="12700">
-            <a:miter lim="400000"/>
-          </a:ln>
-        </p:spPr>
-      </p:pic>
       <p:sp>
         <p:nvSpPr>
           <p:cNvPr id="9" name="Shape 127"/>
@@ -12311,7 +11960,7 @@
           </a:ln>
           <a:extLst>
             <a:ext uri="{C572A759-6A51-4108-AA02-DFA0A04FC94B}">
-              <ma14:wrappingTextBoxFlag xmlns:ma14="http://schemas.microsoft.com/office/mac/drawingml/2011/main" xmlns="" val="1"/>
+              <ma14:wrappingTextBoxFlag xmlns="" xmlns:ma14="http://schemas.microsoft.com/office/mac/drawingml/2011/main" val="1"/>
             </a:ext>
           </a:extLst>
         </p:spPr>
@@ -12373,7 +12022,7 @@
           <p:nvPr/>
         </p:nvPicPr>
         <p:blipFill>
-          <a:blip r:embed="rId4"/>
+          <a:blip r:embed="rId3"/>
           <a:stretch>
             <a:fillRect/>
           </a:stretch>
@@ -12615,7 +12264,7 @@
           <p:nvPr/>
         </p:nvPicPr>
         <p:blipFill>
-          <a:blip r:embed="rId5"/>
+          <a:blip r:embed="rId4"/>
           <a:stretch>
             <a:fillRect/>
           </a:stretch>
@@ -12680,7 +12329,7 @@
           </a:ln>
           <a:extLst>
             <a:ext uri="{C572A759-6A51-4108-AA02-DFA0A04FC94B}">
-              <ma14:wrappingTextBoxFlag xmlns:ma14="http://schemas.microsoft.com/office/mac/drawingml/2011/main" xmlns="" val="1"/>
+              <ma14:wrappingTextBoxFlag xmlns="" xmlns:ma14="http://schemas.microsoft.com/office/mac/drawingml/2011/main" val="1"/>
             </a:ext>
           </a:extLst>
         </p:spPr>
@@ -12753,33 +12402,6 @@
           </a:p>
         </p:txBody>
       </p:sp>
-      <p:pic>
-        <p:nvPicPr>
-          <p:cNvPr id="129" name="Logo.png"/>
-          <p:cNvPicPr>
-            <a:picLocks noChangeAspect="1"/>
-          </p:cNvPicPr>
-          <p:nvPr/>
-        </p:nvPicPr>
-        <p:blipFill>
-          <a:blip r:embed="rId3"/>
-          <a:stretch>
-            <a:fillRect/>
-          </a:stretch>
-        </p:blipFill>
-        <p:spPr>
-          <a:xfrm>
-            <a:off x="14650974" y="18489726"/>
-            <a:ext cx="6321552" cy="1392336"/>
-          </a:xfrm>
-          <a:prstGeom prst="rect">
-            <a:avLst/>
-          </a:prstGeom>
-          <a:ln w="12700">
-            <a:miter lim="400000"/>
-          </a:ln>
-        </p:spPr>
-      </p:pic>
       <p:sp>
         <p:nvSpPr>
           <p:cNvPr id="9" name="Shape 127"/>
@@ -12834,7 +12456,7 @@
           </a:ln>
           <a:extLst>
             <a:ext uri="{C572A759-6A51-4108-AA02-DFA0A04FC94B}">
-              <ma14:wrappingTextBoxFlag xmlns="" xmlns:ma14="http://schemas.microsoft.com/office/mac/drawingml/2011/main" val="1"/>
+              <ma14:wrappingTextBoxFlag xmlns:ma14="http://schemas.microsoft.com/office/mac/drawingml/2011/main" xmlns="" val="1"/>
             </a:ext>
           </a:extLst>
         </p:spPr>
@@ -12896,7 +12518,7 @@
           <p:nvPr/>
         </p:nvPicPr>
         <p:blipFill>
-          <a:blip r:embed="rId4"/>
+          <a:blip r:embed="rId3"/>
           <a:stretch>
             <a:fillRect/>
           </a:stretch>
@@ -13097,7 +12719,7 @@
           <p:nvPr/>
         </p:nvPicPr>
         <p:blipFill>
-          <a:blip r:embed="rId5"/>
+          <a:blip r:embed="rId4"/>
           <a:stretch>
             <a:fillRect/>
           </a:stretch>
@@ -13203,7 +12825,7 @@
           </a:ln>
           <a:extLst>
             <a:ext uri="{C572A759-6A51-4108-AA02-DFA0A04FC94B}">
-              <ma14:wrappingTextBoxFlag xmlns="" xmlns:ma14="http://schemas.microsoft.com/office/mac/drawingml/2011/main" val="1"/>
+              <ma14:wrappingTextBoxFlag xmlns:ma14="http://schemas.microsoft.com/office/mac/drawingml/2011/main" xmlns="" val="1"/>
             </a:ext>
           </a:extLst>
         </p:spPr>
@@ -13276,33 +12898,6 @@
           </a:p>
         </p:txBody>
       </p:sp>
-      <p:pic>
-        <p:nvPicPr>
-          <p:cNvPr id="129" name="Logo.png"/>
-          <p:cNvPicPr>
-            <a:picLocks noChangeAspect="1"/>
-          </p:cNvPicPr>
-          <p:nvPr/>
-        </p:nvPicPr>
-        <p:blipFill>
-          <a:blip r:embed="rId3"/>
-          <a:stretch>
-            <a:fillRect/>
-          </a:stretch>
-        </p:blipFill>
-        <p:spPr>
-          <a:xfrm>
-            <a:off x="14650974" y="18489726"/>
-            <a:ext cx="6321552" cy="1392336"/>
-          </a:xfrm>
-          <a:prstGeom prst="rect">
-            <a:avLst/>
-          </a:prstGeom>
-          <a:ln w="12700">
-            <a:miter lim="400000"/>
-          </a:ln>
-        </p:spPr>
-      </p:pic>
       <p:sp>
         <p:nvSpPr>
           <p:cNvPr id="9" name="Shape 127"/>
@@ -13357,7 +12952,7 @@
           </a:ln>
           <a:extLst>
             <a:ext uri="{C572A759-6A51-4108-AA02-DFA0A04FC94B}">
-              <ma14:wrappingTextBoxFlag xmlns:ma14="http://schemas.microsoft.com/office/mac/drawingml/2011/main" xmlns="" val="1"/>
+              <ma14:wrappingTextBoxFlag xmlns="" xmlns:ma14="http://schemas.microsoft.com/office/mac/drawingml/2011/main" val="1"/>
             </a:ext>
           </a:extLst>
         </p:spPr>
@@ -13419,7 +13014,7 @@
           <p:nvPr/>
         </p:nvPicPr>
         <p:blipFill>
-          <a:blip r:embed="rId4"/>
+          <a:blip r:embed="rId3"/>
           <a:stretch>
             <a:fillRect/>
           </a:stretch>
@@ -13613,7 +13208,7 @@
           <p:nvPr/>
         </p:nvPicPr>
         <p:blipFill>
-          <a:blip r:embed="rId5"/>
+          <a:blip r:embed="rId4"/>
           <a:stretch>
             <a:fillRect/>
           </a:stretch>
